--- a/ppt 16-9/1418.主来被提.pptx
+++ b/ppt 16-9/1418.主来被提.pptx
@@ -129,7 +129,7 @@
           <p:cNvPr id="2" name="标题 1">
             <a:extLst>
               <a:ext uri="{FF2B5EF4-FFF2-40B4-BE49-F238E27FC236}">
-                <a16:creationId xmlns:a16="http://schemas.microsoft.com/office/drawing/2014/main" id="{3E87ECC5-BCEC-7008-EA3D-E6550D602F83}"/>
+                <a16:creationId xmlns:a16="http://schemas.microsoft.com/office/drawing/2014/main" id="{BF3FA869-23C0-08E2-263E-6223EF778EFE}"/>
               </a:ext>
             </a:extLst>
           </p:cNvPr>
@@ -166,7 +166,7 @@
           <p:cNvPr id="3" name="副标题 2">
             <a:extLst>
               <a:ext uri="{FF2B5EF4-FFF2-40B4-BE49-F238E27FC236}">
-                <a16:creationId xmlns:a16="http://schemas.microsoft.com/office/drawing/2014/main" id="{2DCD7675-D5B2-2E49-1064-186BF1BD600F}"/>
+                <a16:creationId xmlns:a16="http://schemas.microsoft.com/office/drawing/2014/main" id="{E4F67867-BD10-D80D-2E57-A9207C7F46C4}"/>
               </a:ext>
             </a:extLst>
           </p:cNvPr>
@@ -236,7 +236,7 @@
           <p:cNvPr id="4" name="日期占位符 3">
             <a:extLst>
               <a:ext uri="{FF2B5EF4-FFF2-40B4-BE49-F238E27FC236}">
-                <a16:creationId xmlns:a16="http://schemas.microsoft.com/office/drawing/2014/main" id="{52581B02-7E71-BC10-87B3-B0A0364C9A04}"/>
+                <a16:creationId xmlns:a16="http://schemas.microsoft.com/office/drawing/2014/main" id="{33601002-A930-AD36-B561-236AAA67F65E}"/>
               </a:ext>
             </a:extLst>
           </p:cNvPr>
@@ -252,7 +252,7 @@
           <a:bodyPr/>
           <a:lstStyle/>
           <a:p>
-            <a:fld id="{032BF608-020B-40DD-AF6E-A7C2000C7F05}" type="datetimeFigureOut">
+            <a:fld id="{39214C5D-12A0-4D49-A410-0F3677D14612}" type="datetimeFigureOut">
               <a:rPr lang="zh-CN" altLang="en-US" smtClean="0"/>
               <a:t>2024/3/10</a:t>
             </a:fld>
@@ -265,7 +265,7 @@
           <p:cNvPr id="5" name="页脚占位符 4">
             <a:extLst>
               <a:ext uri="{FF2B5EF4-FFF2-40B4-BE49-F238E27FC236}">
-                <a16:creationId xmlns:a16="http://schemas.microsoft.com/office/drawing/2014/main" id="{49CF4E70-660E-C23C-E399-0308D3B89798}"/>
+                <a16:creationId xmlns:a16="http://schemas.microsoft.com/office/drawing/2014/main" id="{CA6C41AC-7474-FFA9-625E-5B72BEEBE414}"/>
               </a:ext>
             </a:extLst>
           </p:cNvPr>
@@ -290,7 +290,7 @@
           <p:cNvPr id="6" name="灯片编号占位符 5">
             <a:extLst>
               <a:ext uri="{FF2B5EF4-FFF2-40B4-BE49-F238E27FC236}">
-                <a16:creationId xmlns:a16="http://schemas.microsoft.com/office/drawing/2014/main" id="{4B51EEB7-1BA7-7E82-4F8E-E5252566F126}"/>
+                <a16:creationId xmlns:a16="http://schemas.microsoft.com/office/drawing/2014/main" id="{7E5E58EE-3341-99F7-2E78-63CBF32CB533}"/>
               </a:ext>
             </a:extLst>
           </p:cNvPr>
@@ -306,7 +306,7 @@
           <a:bodyPr/>
           <a:lstStyle/>
           <a:p>
-            <a:fld id="{CBD38D57-ED22-491B-A0FB-8F9B5109B5B5}" type="slidenum">
+            <a:fld id="{21DA7EA1-4BB9-448F-B846-1D438F0D36C8}" type="slidenum">
               <a:rPr lang="zh-CN" altLang="en-US" smtClean="0"/>
               <a:t>‹#›</a:t>
             </a:fld>
@@ -317,7 +317,7 @@
     </p:spTree>
     <p:extLst>
       <p:ext uri="{BB962C8B-B14F-4D97-AF65-F5344CB8AC3E}">
-        <p14:creationId xmlns:p14="http://schemas.microsoft.com/office/powerpoint/2010/main" val="2362830231"/>
+        <p14:creationId xmlns:p14="http://schemas.microsoft.com/office/powerpoint/2010/main" val="505917982"/>
       </p:ext>
     </p:extLst>
   </p:cSld>
@@ -349,7 +349,7 @@
           <p:cNvPr id="2" name="标题 1">
             <a:extLst>
               <a:ext uri="{FF2B5EF4-FFF2-40B4-BE49-F238E27FC236}">
-                <a16:creationId xmlns:a16="http://schemas.microsoft.com/office/drawing/2014/main" id="{A27C88A0-F067-7C5F-DEE0-76DAAB7ABB7D}"/>
+                <a16:creationId xmlns:a16="http://schemas.microsoft.com/office/drawing/2014/main" id="{29D3816C-256C-84E8-35E3-C532368BF57C}"/>
               </a:ext>
             </a:extLst>
           </p:cNvPr>
@@ -377,7 +377,7 @@
           <p:cNvPr id="3" name="竖排文字占位符 2">
             <a:extLst>
               <a:ext uri="{FF2B5EF4-FFF2-40B4-BE49-F238E27FC236}">
-                <a16:creationId xmlns:a16="http://schemas.microsoft.com/office/drawing/2014/main" id="{22F8381A-B952-7557-0F25-FD1D3A026C30}"/>
+                <a16:creationId xmlns:a16="http://schemas.microsoft.com/office/drawing/2014/main" id="{ADE49122-6ED4-E515-D1DB-8EAF30F967DF}"/>
               </a:ext>
             </a:extLst>
           </p:cNvPr>
@@ -434,7 +434,7 @@
           <p:cNvPr id="4" name="日期占位符 3">
             <a:extLst>
               <a:ext uri="{FF2B5EF4-FFF2-40B4-BE49-F238E27FC236}">
-                <a16:creationId xmlns:a16="http://schemas.microsoft.com/office/drawing/2014/main" id="{5EB27809-258B-566F-D11C-8C7E4946B139}"/>
+                <a16:creationId xmlns:a16="http://schemas.microsoft.com/office/drawing/2014/main" id="{04B7F75E-11A2-C7D8-94E9-8D44BC5FE200}"/>
               </a:ext>
             </a:extLst>
           </p:cNvPr>
@@ -450,7 +450,7 @@
           <a:bodyPr/>
           <a:lstStyle/>
           <a:p>
-            <a:fld id="{032BF608-020B-40DD-AF6E-A7C2000C7F05}" type="datetimeFigureOut">
+            <a:fld id="{39214C5D-12A0-4D49-A410-0F3677D14612}" type="datetimeFigureOut">
               <a:rPr lang="zh-CN" altLang="en-US" smtClean="0"/>
               <a:t>2024/3/10</a:t>
             </a:fld>
@@ -463,7 +463,7 @@
           <p:cNvPr id="5" name="页脚占位符 4">
             <a:extLst>
               <a:ext uri="{FF2B5EF4-FFF2-40B4-BE49-F238E27FC236}">
-                <a16:creationId xmlns:a16="http://schemas.microsoft.com/office/drawing/2014/main" id="{BA32DEE0-DEF6-401E-BD4C-FBCD81732CBE}"/>
+                <a16:creationId xmlns:a16="http://schemas.microsoft.com/office/drawing/2014/main" id="{C65A99FD-84BE-4E33-E43E-FCE4FB450933}"/>
               </a:ext>
             </a:extLst>
           </p:cNvPr>
@@ -488,7 +488,7 @@
           <p:cNvPr id="6" name="灯片编号占位符 5">
             <a:extLst>
               <a:ext uri="{FF2B5EF4-FFF2-40B4-BE49-F238E27FC236}">
-                <a16:creationId xmlns:a16="http://schemas.microsoft.com/office/drawing/2014/main" id="{DE12E44A-5786-4649-0D05-D9F5AF578894}"/>
+                <a16:creationId xmlns:a16="http://schemas.microsoft.com/office/drawing/2014/main" id="{1C967EF7-024F-5B9D-96A3-DE0D5855BAE6}"/>
               </a:ext>
             </a:extLst>
           </p:cNvPr>
@@ -504,7 +504,7 @@
           <a:bodyPr/>
           <a:lstStyle/>
           <a:p>
-            <a:fld id="{CBD38D57-ED22-491B-A0FB-8F9B5109B5B5}" type="slidenum">
+            <a:fld id="{21DA7EA1-4BB9-448F-B846-1D438F0D36C8}" type="slidenum">
               <a:rPr lang="zh-CN" altLang="en-US" smtClean="0"/>
               <a:t>‹#›</a:t>
             </a:fld>
@@ -515,7 +515,7 @@
     </p:spTree>
     <p:extLst>
       <p:ext uri="{BB962C8B-B14F-4D97-AF65-F5344CB8AC3E}">
-        <p14:creationId xmlns:p14="http://schemas.microsoft.com/office/powerpoint/2010/main" val="1101317866"/>
+        <p14:creationId xmlns:p14="http://schemas.microsoft.com/office/powerpoint/2010/main" val="2581153096"/>
       </p:ext>
     </p:extLst>
   </p:cSld>
@@ -547,7 +547,7 @@
           <p:cNvPr id="2" name="竖排标题 1">
             <a:extLst>
               <a:ext uri="{FF2B5EF4-FFF2-40B4-BE49-F238E27FC236}">
-                <a16:creationId xmlns:a16="http://schemas.microsoft.com/office/drawing/2014/main" id="{4C1E6DD3-13B5-6DFB-59B2-022472F9325B}"/>
+                <a16:creationId xmlns:a16="http://schemas.microsoft.com/office/drawing/2014/main" id="{CF0F3486-E911-3B64-D37C-3C7468B66954}"/>
               </a:ext>
             </a:extLst>
           </p:cNvPr>
@@ -580,7 +580,7 @@
           <p:cNvPr id="3" name="竖排文字占位符 2">
             <a:extLst>
               <a:ext uri="{FF2B5EF4-FFF2-40B4-BE49-F238E27FC236}">
-                <a16:creationId xmlns:a16="http://schemas.microsoft.com/office/drawing/2014/main" id="{5AD27D08-1942-7DAC-4BCC-8896490916AA}"/>
+                <a16:creationId xmlns:a16="http://schemas.microsoft.com/office/drawing/2014/main" id="{9F887E9D-7B0E-0CEF-0694-A749F27FC4E2}"/>
               </a:ext>
             </a:extLst>
           </p:cNvPr>
@@ -642,7 +642,7 @@
           <p:cNvPr id="4" name="日期占位符 3">
             <a:extLst>
               <a:ext uri="{FF2B5EF4-FFF2-40B4-BE49-F238E27FC236}">
-                <a16:creationId xmlns:a16="http://schemas.microsoft.com/office/drawing/2014/main" id="{A12D6ADC-3600-A68C-AA94-521496164480}"/>
+                <a16:creationId xmlns:a16="http://schemas.microsoft.com/office/drawing/2014/main" id="{190378B0-BA35-BEAC-648F-53CDE028425F}"/>
               </a:ext>
             </a:extLst>
           </p:cNvPr>
@@ -658,7 +658,7 @@
           <a:bodyPr/>
           <a:lstStyle/>
           <a:p>
-            <a:fld id="{032BF608-020B-40DD-AF6E-A7C2000C7F05}" type="datetimeFigureOut">
+            <a:fld id="{39214C5D-12A0-4D49-A410-0F3677D14612}" type="datetimeFigureOut">
               <a:rPr lang="zh-CN" altLang="en-US" smtClean="0"/>
               <a:t>2024/3/10</a:t>
             </a:fld>
@@ -671,7 +671,7 @@
           <p:cNvPr id="5" name="页脚占位符 4">
             <a:extLst>
               <a:ext uri="{FF2B5EF4-FFF2-40B4-BE49-F238E27FC236}">
-                <a16:creationId xmlns:a16="http://schemas.microsoft.com/office/drawing/2014/main" id="{70259D04-0D69-20AA-56FC-CCE0C6D19E68}"/>
+                <a16:creationId xmlns:a16="http://schemas.microsoft.com/office/drawing/2014/main" id="{27D5F9B5-B86D-2653-2889-03E8C878CBA6}"/>
               </a:ext>
             </a:extLst>
           </p:cNvPr>
@@ -696,7 +696,7 @@
           <p:cNvPr id="6" name="灯片编号占位符 5">
             <a:extLst>
               <a:ext uri="{FF2B5EF4-FFF2-40B4-BE49-F238E27FC236}">
-                <a16:creationId xmlns:a16="http://schemas.microsoft.com/office/drawing/2014/main" id="{A5F1484D-9DAF-8214-1BA7-CA31CC259ADF}"/>
+                <a16:creationId xmlns:a16="http://schemas.microsoft.com/office/drawing/2014/main" id="{EB20F576-8740-588D-41FF-2A35479A212C}"/>
               </a:ext>
             </a:extLst>
           </p:cNvPr>
@@ -712,7 +712,7 @@
           <a:bodyPr/>
           <a:lstStyle/>
           <a:p>
-            <a:fld id="{CBD38D57-ED22-491B-A0FB-8F9B5109B5B5}" type="slidenum">
+            <a:fld id="{21DA7EA1-4BB9-448F-B846-1D438F0D36C8}" type="slidenum">
               <a:rPr lang="zh-CN" altLang="en-US" smtClean="0"/>
               <a:t>‹#›</a:t>
             </a:fld>
@@ -723,7 +723,7 @@
     </p:spTree>
     <p:extLst>
       <p:ext uri="{BB962C8B-B14F-4D97-AF65-F5344CB8AC3E}">
-        <p14:creationId xmlns:p14="http://schemas.microsoft.com/office/powerpoint/2010/main" val="1686202542"/>
+        <p14:creationId xmlns:p14="http://schemas.microsoft.com/office/powerpoint/2010/main" val="612918261"/>
       </p:ext>
     </p:extLst>
   </p:cSld>
@@ -755,7 +755,7 @@
           <p:cNvPr id="2" name="标题 1">
             <a:extLst>
               <a:ext uri="{FF2B5EF4-FFF2-40B4-BE49-F238E27FC236}">
-                <a16:creationId xmlns:a16="http://schemas.microsoft.com/office/drawing/2014/main" id="{50C9B5F5-CF3E-5AD5-AC20-AE01D592A6FC}"/>
+                <a16:creationId xmlns:a16="http://schemas.microsoft.com/office/drawing/2014/main" id="{3EF4017E-18E0-37B8-5374-3A904C1242E5}"/>
               </a:ext>
             </a:extLst>
           </p:cNvPr>
@@ -783,7 +783,7 @@
           <p:cNvPr id="3" name="内容占位符 2">
             <a:extLst>
               <a:ext uri="{FF2B5EF4-FFF2-40B4-BE49-F238E27FC236}">
-                <a16:creationId xmlns:a16="http://schemas.microsoft.com/office/drawing/2014/main" id="{3D0F030F-A32F-133D-6760-AF2CA695217D}"/>
+                <a16:creationId xmlns:a16="http://schemas.microsoft.com/office/drawing/2014/main" id="{9E17E8E2-E111-758A-D33F-4B563BC03375}"/>
               </a:ext>
             </a:extLst>
           </p:cNvPr>
@@ -840,7 +840,7 @@
           <p:cNvPr id="4" name="日期占位符 3">
             <a:extLst>
               <a:ext uri="{FF2B5EF4-FFF2-40B4-BE49-F238E27FC236}">
-                <a16:creationId xmlns:a16="http://schemas.microsoft.com/office/drawing/2014/main" id="{8FFF9BD9-DFA5-A1B7-EAFB-E2FEED487663}"/>
+                <a16:creationId xmlns:a16="http://schemas.microsoft.com/office/drawing/2014/main" id="{0C7563FB-CCA2-4B4E-A2E2-50CF9A23D5F7}"/>
               </a:ext>
             </a:extLst>
           </p:cNvPr>
@@ -856,7 +856,7 @@
           <a:bodyPr/>
           <a:lstStyle/>
           <a:p>
-            <a:fld id="{032BF608-020B-40DD-AF6E-A7C2000C7F05}" type="datetimeFigureOut">
+            <a:fld id="{39214C5D-12A0-4D49-A410-0F3677D14612}" type="datetimeFigureOut">
               <a:rPr lang="zh-CN" altLang="en-US" smtClean="0"/>
               <a:t>2024/3/10</a:t>
             </a:fld>
@@ -869,7 +869,7 @@
           <p:cNvPr id="5" name="页脚占位符 4">
             <a:extLst>
               <a:ext uri="{FF2B5EF4-FFF2-40B4-BE49-F238E27FC236}">
-                <a16:creationId xmlns:a16="http://schemas.microsoft.com/office/drawing/2014/main" id="{17DDF558-75AB-A034-C4EE-D85C337D926F}"/>
+                <a16:creationId xmlns:a16="http://schemas.microsoft.com/office/drawing/2014/main" id="{99B1CD7F-7E0F-866A-571F-611163E18917}"/>
               </a:ext>
             </a:extLst>
           </p:cNvPr>
@@ -894,7 +894,7 @@
           <p:cNvPr id="6" name="灯片编号占位符 5">
             <a:extLst>
               <a:ext uri="{FF2B5EF4-FFF2-40B4-BE49-F238E27FC236}">
-                <a16:creationId xmlns:a16="http://schemas.microsoft.com/office/drawing/2014/main" id="{76211D34-77E9-39E0-61B9-833C696E2EBD}"/>
+                <a16:creationId xmlns:a16="http://schemas.microsoft.com/office/drawing/2014/main" id="{2E9F6DA1-6C97-5AC9-6A2E-2E6CDD09D552}"/>
               </a:ext>
             </a:extLst>
           </p:cNvPr>
@@ -910,7 +910,7 @@
           <a:bodyPr/>
           <a:lstStyle/>
           <a:p>
-            <a:fld id="{CBD38D57-ED22-491B-A0FB-8F9B5109B5B5}" type="slidenum">
+            <a:fld id="{21DA7EA1-4BB9-448F-B846-1D438F0D36C8}" type="slidenum">
               <a:rPr lang="zh-CN" altLang="en-US" smtClean="0"/>
               <a:t>‹#›</a:t>
             </a:fld>
@@ -921,7 +921,7 @@
     </p:spTree>
     <p:extLst>
       <p:ext uri="{BB962C8B-B14F-4D97-AF65-F5344CB8AC3E}">
-        <p14:creationId xmlns:p14="http://schemas.microsoft.com/office/powerpoint/2010/main" val="3016971752"/>
+        <p14:creationId xmlns:p14="http://schemas.microsoft.com/office/powerpoint/2010/main" val="3049440351"/>
       </p:ext>
     </p:extLst>
   </p:cSld>
@@ -953,7 +953,7 @@
           <p:cNvPr id="2" name="标题 1">
             <a:extLst>
               <a:ext uri="{FF2B5EF4-FFF2-40B4-BE49-F238E27FC236}">
-                <a16:creationId xmlns:a16="http://schemas.microsoft.com/office/drawing/2014/main" id="{CB1D0EEF-2D8A-BF75-8979-FA8F308B2BC9}"/>
+                <a16:creationId xmlns:a16="http://schemas.microsoft.com/office/drawing/2014/main" id="{3B3E894D-45FC-1AFF-11ED-E4F08E58A968}"/>
               </a:ext>
             </a:extLst>
           </p:cNvPr>
@@ -990,7 +990,7 @@
           <p:cNvPr id="3" name="文本占位符 2">
             <a:extLst>
               <a:ext uri="{FF2B5EF4-FFF2-40B4-BE49-F238E27FC236}">
-                <a16:creationId xmlns:a16="http://schemas.microsoft.com/office/drawing/2014/main" id="{5F01A63C-9F73-C7D0-3E3F-84131679993A}"/>
+                <a16:creationId xmlns:a16="http://schemas.microsoft.com/office/drawing/2014/main" id="{F73D31B3-F876-FC1C-13CD-8F60CF3847A7}"/>
               </a:ext>
             </a:extLst>
           </p:cNvPr>
@@ -1115,7 +1115,7 @@
           <p:cNvPr id="4" name="日期占位符 3">
             <a:extLst>
               <a:ext uri="{FF2B5EF4-FFF2-40B4-BE49-F238E27FC236}">
-                <a16:creationId xmlns:a16="http://schemas.microsoft.com/office/drawing/2014/main" id="{C6A03414-2535-8FD5-2ABD-BA4253FF342C}"/>
+                <a16:creationId xmlns:a16="http://schemas.microsoft.com/office/drawing/2014/main" id="{1866D878-C63E-BB86-3748-98AA245DE55F}"/>
               </a:ext>
             </a:extLst>
           </p:cNvPr>
@@ -1131,7 +1131,7 @@
           <a:bodyPr/>
           <a:lstStyle/>
           <a:p>
-            <a:fld id="{032BF608-020B-40DD-AF6E-A7C2000C7F05}" type="datetimeFigureOut">
+            <a:fld id="{39214C5D-12A0-4D49-A410-0F3677D14612}" type="datetimeFigureOut">
               <a:rPr lang="zh-CN" altLang="en-US" smtClean="0"/>
               <a:t>2024/3/10</a:t>
             </a:fld>
@@ -1144,7 +1144,7 @@
           <p:cNvPr id="5" name="页脚占位符 4">
             <a:extLst>
               <a:ext uri="{FF2B5EF4-FFF2-40B4-BE49-F238E27FC236}">
-                <a16:creationId xmlns:a16="http://schemas.microsoft.com/office/drawing/2014/main" id="{A40EEECB-7E4C-C298-534B-D30DF2939679}"/>
+                <a16:creationId xmlns:a16="http://schemas.microsoft.com/office/drawing/2014/main" id="{A635D329-1D0C-168F-6538-852CF11ADF9C}"/>
               </a:ext>
             </a:extLst>
           </p:cNvPr>
@@ -1169,7 +1169,7 @@
           <p:cNvPr id="6" name="灯片编号占位符 5">
             <a:extLst>
               <a:ext uri="{FF2B5EF4-FFF2-40B4-BE49-F238E27FC236}">
-                <a16:creationId xmlns:a16="http://schemas.microsoft.com/office/drawing/2014/main" id="{328E193C-12B1-2EC5-22D4-C7133984851A}"/>
+                <a16:creationId xmlns:a16="http://schemas.microsoft.com/office/drawing/2014/main" id="{D0FC39DE-649D-B2ED-EA7D-DA2B93995376}"/>
               </a:ext>
             </a:extLst>
           </p:cNvPr>
@@ -1185,7 +1185,7 @@
           <a:bodyPr/>
           <a:lstStyle/>
           <a:p>
-            <a:fld id="{CBD38D57-ED22-491B-A0FB-8F9B5109B5B5}" type="slidenum">
+            <a:fld id="{21DA7EA1-4BB9-448F-B846-1D438F0D36C8}" type="slidenum">
               <a:rPr lang="zh-CN" altLang="en-US" smtClean="0"/>
               <a:t>‹#›</a:t>
             </a:fld>
@@ -1196,7 +1196,7 @@
     </p:spTree>
     <p:extLst>
       <p:ext uri="{BB962C8B-B14F-4D97-AF65-F5344CB8AC3E}">
-        <p14:creationId xmlns:p14="http://schemas.microsoft.com/office/powerpoint/2010/main" val="4154072564"/>
+        <p14:creationId xmlns:p14="http://schemas.microsoft.com/office/powerpoint/2010/main" val="1918741666"/>
       </p:ext>
     </p:extLst>
   </p:cSld>
@@ -1228,7 +1228,7 @@
           <p:cNvPr id="2" name="标题 1">
             <a:extLst>
               <a:ext uri="{FF2B5EF4-FFF2-40B4-BE49-F238E27FC236}">
-                <a16:creationId xmlns:a16="http://schemas.microsoft.com/office/drawing/2014/main" id="{6B64E595-B390-C672-1013-10D70D73ABCF}"/>
+                <a16:creationId xmlns:a16="http://schemas.microsoft.com/office/drawing/2014/main" id="{71F93B11-AB70-51B9-4C53-1F9FCF8AF020}"/>
               </a:ext>
             </a:extLst>
           </p:cNvPr>
@@ -1256,7 +1256,7 @@
           <p:cNvPr id="3" name="内容占位符 2">
             <a:extLst>
               <a:ext uri="{FF2B5EF4-FFF2-40B4-BE49-F238E27FC236}">
-                <a16:creationId xmlns:a16="http://schemas.microsoft.com/office/drawing/2014/main" id="{D0BF17EE-3317-E013-FA9D-29C67D18C098}"/>
+                <a16:creationId xmlns:a16="http://schemas.microsoft.com/office/drawing/2014/main" id="{184B310B-D812-A3A0-25D4-3B73FFD10204}"/>
               </a:ext>
             </a:extLst>
           </p:cNvPr>
@@ -1318,7 +1318,7 @@
           <p:cNvPr id="4" name="内容占位符 3">
             <a:extLst>
               <a:ext uri="{FF2B5EF4-FFF2-40B4-BE49-F238E27FC236}">
-                <a16:creationId xmlns:a16="http://schemas.microsoft.com/office/drawing/2014/main" id="{12207086-F2D4-B13D-7665-BF3E1B785882}"/>
+                <a16:creationId xmlns:a16="http://schemas.microsoft.com/office/drawing/2014/main" id="{5608D8F4-75C3-D63F-3D25-108F8D69332A}"/>
               </a:ext>
             </a:extLst>
           </p:cNvPr>
@@ -1380,7 +1380,7 @@
           <p:cNvPr id="5" name="日期占位符 4">
             <a:extLst>
               <a:ext uri="{FF2B5EF4-FFF2-40B4-BE49-F238E27FC236}">
-                <a16:creationId xmlns:a16="http://schemas.microsoft.com/office/drawing/2014/main" id="{85FB87DD-9757-8524-010B-AA9F1CC68A04}"/>
+                <a16:creationId xmlns:a16="http://schemas.microsoft.com/office/drawing/2014/main" id="{0B8EBF1C-35C8-32F0-A5B4-6237D7442C3A}"/>
               </a:ext>
             </a:extLst>
           </p:cNvPr>
@@ -1396,7 +1396,7 @@
           <a:bodyPr/>
           <a:lstStyle/>
           <a:p>
-            <a:fld id="{032BF608-020B-40DD-AF6E-A7C2000C7F05}" type="datetimeFigureOut">
+            <a:fld id="{39214C5D-12A0-4D49-A410-0F3677D14612}" type="datetimeFigureOut">
               <a:rPr lang="zh-CN" altLang="en-US" smtClean="0"/>
               <a:t>2024/3/10</a:t>
             </a:fld>
@@ -1409,7 +1409,7 @@
           <p:cNvPr id="6" name="页脚占位符 5">
             <a:extLst>
               <a:ext uri="{FF2B5EF4-FFF2-40B4-BE49-F238E27FC236}">
-                <a16:creationId xmlns:a16="http://schemas.microsoft.com/office/drawing/2014/main" id="{D557CE87-C0EE-4301-62BB-DA4B47383D53}"/>
+                <a16:creationId xmlns:a16="http://schemas.microsoft.com/office/drawing/2014/main" id="{455EEA5A-E8F5-0C46-7282-20BCB00962FA}"/>
               </a:ext>
             </a:extLst>
           </p:cNvPr>
@@ -1434,7 +1434,7 @@
           <p:cNvPr id="7" name="灯片编号占位符 6">
             <a:extLst>
               <a:ext uri="{FF2B5EF4-FFF2-40B4-BE49-F238E27FC236}">
-                <a16:creationId xmlns:a16="http://schemas.microsoft.com/office/drawing/2014/main" id="{1546FC1C-843D-F993-8891-48705051B82C}"/>
+                <a16:creationId xmlns:a16="http://schemas.microsoft.com/office/drawing/2014/main" id="{115D22FE-AF02-98A8-E062-E8EA5FDA5AF2}"/>
               </a:ext>
             </a:extLst>
           </p:cNvPr>
@@ -1450,7 +1450,7 @@
           <a:bodyPr/>
           <a:lstStyle/>
           <a:p>
-            <a:fld id="{CBD38D57-ED22-491B-A0FB-8F9B5109B5B5}" type="slidenum">
+            <a:fld id="{21DA7EA1-4BB9-448F-B846-1D438F0D36C8}" type="slidenum">
               <a:rPr lang="zh-CN" altLang="en-US" smtClean="0"/>
               <a:t>‹#›</a:t>
             </a:fld>
@@ -1461,7 +1461,7 @@
     </p:spTree>
     <p:extLst>
       <p:ext uri="{BB962C8B-B14F-4D97-AF65-F5344CB8AC3E}">
-        <p14:creationId xmlns:p14="http://schemas.microsoft.com/office/powerpoint/2010/main" val="1670488563"/>
+        <p14:creationId xmlns:p14="http://schemas.microsoft.com/office/powerpoint/2010/main" val="95368716"/>
       </p:ext>
     </p:extLst>
   </p:cSld>
@@ -1493,7 +1493,7 @@
           <p:cNvPr id="2" name="标题 1">
             <a:extLst>
               <a:ext uri="{FF2B5EF4-FFF2-40B4-BE49-F238E27FC236}">
-                <a16:creationId xmlns:a16="http://schemas.microsoft.com/office/drawing/2014/main" id="{54139302-ECB6-DE6E-9339-E5A74B1C0B09}"/>
+                <a16:creationId xmlns:a16="http://schemas.microsoft.com/office/drawing/2014/main" id="{9D7C32DD-F780-72D3-874D-406E6F35EDD6}"/>
               </a:ext>
             </a:extLst>
           </p:cNvPr>
@@ -1526,7 +1526,7 @@
           <p:cNvPr id="3" name="文本占位符 2">
             <a:extLst>
               <a:ext uri="{FF2B5EF4-FFF2-40B4-BE49-F238E27FC236}">
-                <a16:creationId xmlns:a16="http://schemas.microsoft.com/office/drawing/2014/main" id="{9223B049-3D45-D4FA-2448-791B040F8B38}"/>
+                <a16:creationId xmlns:a16="http://schemas.microsoft.com/office/drawing/2014/main" id="{414372FB-429A-623C-D8C9-6F4586FE8A26}"/>
               </a:ext>
             </a:extLst>
           </p:cNvPr>
@@ -1597,7 +1597,7 @@
           <p:cNvPr id="4" name="内容占位符 3">
             <a:extLst>
               <a:ext uri="{FF2B5EF4-FFF2-40B4-BE49-F238E27FC236}">
-                <a16:creationId xmlns:a16="http://schemas.microsoft.com/office/drawing/2014/main" id="{E9E3440E-DA4A-BF1F-4577-127318312D5A}"/>
+                <a16:creationId xmlns:a16="http://schemas.microsoft.com/office/drawing/2014/main" id="{56C0AD44-3B53-EC08-F913-74E1E99EC1E7}"/>
               </a:ext>
             </a:extLst>
           </p:cNvPr>
@@ -1659,7 +1659,7 @@
           <p:cNvPr id="5" name="文本占位符 4">
             <a:extLst>
               <a:ext uri="{FF2B5EF4-FFF2-40B4-BE49-F238E27FC236}">
-                <a16:creationId xmlns:a16="http://schemas.microsoft.com/office/drawing/2014/main" id="{DAE2C04F-8A39-2C68-F67B-9042640E3F15}"/>
+                <a16:creationId xmlns:a16="http://schemas.microsoft.com/office/drawing/2014/main" id="{A6435BB5-D513-6BA0-F8A5-60F64F14ED24}"/>
               </a:ext>
             </a:extLst>
           </p:cNvPr>
@@ -1730,7 +1730,7 @@
           <p:cNvPr id="6" name="内容占位符 5">
             <a:extLst>
               <a:ext uri="{FF2B5EF4-FFF2-40B4-BE49-F238E27FC236}">
-                <a16:creationId xmlns:a16="http://schemas.microsoft.com/office/drawing/2014/main" id="{24BA702A-C1A6-00B4-5422-00B0EC6E43DE}"/>
+                <a16:creationId xmlns:a16="http://schemas.microsoft.com/office/drawing/2014/main" id="{3A8EFACE-A4C9-6A9B-4DA0-CA3703B7F8DD}"/>
               </a:ext>
             </a:extLst>
           </p:cNvPr>
@@ -1792,7 +1792,7 @@
           <p:cNvPr id="7" name="日期占位符 6">
             <a:extLst>
               <a:ext uri="{FF2B5EF4-FFF2-40B4-BE49-F238E27FC236}">
-                <a16:creationId xmlns:a16="http://schemas.microsoft.com/office/drawing/2014/main" id="{6C4A1334-757A-B99D-A779-E802D029047F}"/>
+                <a16:creationId xmlns:a16="http://schemas.microsoft.com/office/drawing/2014/main" id="{3CBFCC92-A1EC-596D-58D4-5F8035D98F84}"/>
               </a:ext>
             </a:extLst>
           </p:cNvPr>
@@ -1808,7 +1808,7 @@
           <a:bodyPr/>
           <a:lstStyle/>
           <a:p>
-            <a:fld id="{032BF608-020B-40DD-AF6E-A7C2000C7F05}" type="datetimeFigureOut">
+            <a:fld id="{39214C5D-12A0-4D49-A410-0F3677D14612}" type="datetimeFigureOut">
               <a:rPr lang="zh-CN" altLang="en-US" smtClean="0"/>
               <a:t>2024/3/10</a:t>
             </a:fld>
@@ -1821,7 +1821,7 @@
           <p:cNvPr id="8" name="页脚占位符 7">
             <a:extLst>
               <a:ext uri="{FF2B5EF4-FFF2-40B4-BE49-F238E27FC236}">
-                <a16:creationId xmlns:a16="http://schemas.microsoft.com/office/drawing/2014/main" id="{A8A78784-BD17-5D8D-C008-F4D07C26F32C}"/>
+                <a16:creationId xmlns:a16="http://schemas.microsoft.com/office/drawing/2014/main" id="{31F339AF-464F-21AD-A8EE-DD2593279CF7}"/>
               </a:ext>
             </a:extLst>
           </p:cNvPr>
@@ -1846,7 +1846,7 @@
           <p:cNvPr id="9" name="灯片编号占位符 8">
             <a:extLst>
               <a:ext uri="{FF2B5EF4-FFF2-40B4-BE49-F238E27FC236}">
-                <a16:creationId xmlns:a16="http://schemas.microsoft.com/office/drawing/2014/main" id="{29168FB5-6D23-A345-C122-3DF33F5BD6AC}"/>
+                <a16:creationId xmlns:a16="http://schemas.microsoft.com/office/drawing/2014/main" id="{B39576E8-F99B-4484-ABC9-3F89A304FA58}"/>
               </a:ext>
             </a:extLst>
           </p:cNvPr>
@@ -1862,7 +1862,7 @@
           <a:bodyPr/>
           <a:lstStyle/>
           <a:p>
-            <a:fld id="{CBD38D57-ED22-491B-A0FB-8F9B5109B5B5}" type="slidenum">
+            <a:fld id="{21DA7EA1-4BB9-448F-B846-1D438F0D36C8}" type="slidenum">
               <a:rPr lang="zh-CN" altLang="en-US" smtClean="0"/>
               <a:t>‹#›</a:t>
             </a:fld>
@@ -1873,7 +1873,7 @@
     </p:spTree>
     <p:extLst>
       <p:ext uri="{BB962C8B-B14F-4D97-AF65-F5344CB8AC3E}">
-        <p14:creationId xmlns:p14="http://schemas.microsoft.com/office/powerpoint/2010/main" val="1278952999"/>
+        <p14:creationId xmlns:p14="http://schemas.microsoft.com/office/powerpoint/2010/main" val="4189605903"/>
       </p:ext>
     </p:extLst>
   </p:cSld>
@@ -1905,7 +1905,7 @@
           <p:cNvPr id="2" name="标题 1">
             <a:extLst>
               <a:ext uri="{FF2B5EF4-FFF2-40B4-BE49-F238E27FC236}">
-                <a16:creationId xmlns:a16="http://schemas.microsoft.com/office/drawing/2014/main" id="{616FBFE8-8AB8-67C0-5829-CD980787DC42}"/>
+                <a16:creationId xmlns:a16="http://schemas.microsoft.com/office/drawing/2014/main" id="{54061295-F91B-AF06-DC99-D77542D30606}"/>
               </a:ext>
             </a:extLst>
           </p:cNvPr>
@@ -1933,7 +1933,7 @@
           <p:cNvPr id="3" name="日期占位符 2">
             <a:extLst>
               <a:ext uri="{FF2B5EF4-FFF2-40B4-BE49-F238E27FC236}">
-                <a16:creationId xmlns:a16="http://schemas.microsoft.com/office/drawing/2014/main" id="{EFEEBFF5-30B1-3988-B8C1-3A2880FAD6DF}"/>
+                <a16:creationId xmlns:a16="http://schemas.microsoft.com/office/drawing/2014/main" id="{40E1E315-D604-42EA-56DB-42510EBA9F29}"/>
               </a:ext>
             </a:extLst>
           </p:cNvPr>
@@ -1949,7 +1949,7 @@
           <a:bodyPr/>
           <a:lstStyle/>
           <a:p>
-            <a:fld id="{032BF608-020B-40DD-AF6E-A7C2000C7F05}" type="datetimeFigureOut">
+            <a:fld id="{39214C5D-12A0-4D49-A410-0F3677D14612}" type="datetimeFigureOut">
               <a:rPr lang="zh-CN" altLang="en-US" smtClean="0"/>
               <a:t>2024/3/10</a:t>
             </a:fld>
@@ -1962,7 +1962,7 @@
           <p:cNvPr id="4" name="页脚占位符 3">
             <a:extLst>
               <a:ext uri="{FF2B5EF4-FFF2-40B4-BE49-F238E27FC236}">
-                <a16:creationId xmlns:a16="http://schemas.microsoft.com/office/drawing/2014/main" id="{0DAA1C94-E4E5-D748-1C87-7F810E1C6603}"/>
+                <a16:creationId xmlns:a16="http://schemas.microsoft.com/office/drawing/2014/main" id="{D84425E6-740F-93BF-D8FE-D10CAE24E936}"/>
               </a:ext>
             </a:extLst>
           </p:cNvPr>
@@ -1987,7 +1987,7 @@
           <p:cNvPr id="5" name="灯片编号占位符 4">
             <a:extLst>
               <a:ext uri="{FF2B5EF4-FFF2-40B4-BE49-F238E27FC236}">
-                <a16:creationId xmlns:a16="http://schemas.microsoft.com/office/drawing/2014/main" id="{02803EA2-D2F7-BB2A-4859-85C52239816B}"/>
+                <a16:creationId xmlns:a16="http://schemas.microsoft.com/office/drawing/2014/main" id="{A46E9596-25B3-5B20-7DAD-79853DF4EDEB}"/>
               </a:ext>
             </a:extLst>
           </p:cNvPr>
@@ -2003,7 +2003,7 @@
           <a:bodyPr/>
           <a:lstStyle/>
           <a:p>
-            <a:fld id="{CBD38D57-ED22-491B-A0FB-8F9B5109B5B5}" type="slidenum">
+            <a:fld id="{21DA7EA1-4BB9-448F-B846-1D438F0D36C8}" type="slidenum">
               <a:rPr lang="zh-CN" altLang="en-US" smtClean="0"/>
               <a:t>‹#›</a:t>
             </a:fld>
@@ -2014,7 +2014,7 @@
     </p:spTree>
     <p:extLst>
       <p:ext uri="{BB962C8B-B14F-4D97-AF65-F5344CB8AC3E}">
-        <p14:creationId xmlns:p14="http://schemas.microsoft.com/office/powerpoint/2010/main" val="1948611675"/>
+        <p14:creationId xmlns:p14="http://schemas.microsoft.com/office/powerpoint/2010/main" val="4291399843"/>
       </p:ext>
     </p:extLst>
   </p:cSld>
@@ -2046,7 +2046,7 @@
           <p:cNvPr id="2" name="日期占位符 1">
             <a:extLst>
               <a:ext uri="{FF2B5EF4-FFF2-40B4-BE49-F238E27FC236}">
-                <a16:creationId xmlns:a16="http://schemas.microsoft.com/office/drawing/2014/main" id="{88502AC3-C9A6-541F-AA0A-3F9B6FFBD083}"/>
+                <a16:creationId xmlns:a16="http://schemas.microsoft.com/office/drawing/2014/main" id="{B18041CE-9955-1796-67C2-B870203D7A50}"/>
               </a:ext>
             </a:extLst>
           </p:cNvPr>
@@ -2062,7 +2062,7 @@
           <a:bodyPr/>
           <a:lstStyle/>
           <a:p>
-            <a:fld id="{032BF608-020B-40DD-AF6E-A7C2000C7F05}" type="datetimeFigureOut">
+            <a:fld id="{39214C5D-12A0-4D49-A410-0F3677D14612}" type="datetimeFigureOut">
               <a:rPr lang="zh-CN" altLang="en-US" smtClean="0"/>
               <a:t>2024/3/10</a:t>
             </a:fld>
@@ -2075,7 +2075,7 @@
           <p:cNvPr id="3" name="页脚占位符 2">
             <a:extLst>
               <a:ext uri="{FF2B5EF4-FFF2-40B4-BE49-F238E27FC236}">
-                <a16:creationId xmlns:a16="http://schemas.microsoft.com/office/drawing/2014/main" id="{E80DD559-4BFD-A42B-CB07-F2C54B4E0224}"/>
+                <a16:creationId xmlns:a16="http://schemas.microsoft.com/office/drawing/2014/main" id="{2FDB7C4A-5157-2291-EB8A-F84150AA37F1}"/>
               </a:ext>
             </a:extLst>
           </p:cNvPr>
@@ -2100,7 +2100,7 @@
           <p:cNvPr id="4" name="灯片编号占位符 3">
             <a:extLst>
               <a:ext uri="{FF2B5EF4-FFF2-40B4-BE49-F238E27FC236}">
-                <a16:creationId xmlns:a16="http://schemas.microsoft.com/office/drawing/2014/main" id="{9D8F7BA0-5016-E552-5E8D-2FC4A6A64DB9}"/>
+                <a16:creationId xmlns:a16="http://schemas.microsoft.com/office/drawing/2014/main" id="{B030AA07-1927-03B2-A030-54431701CD9D}"/>
               </a:ext>
             </a:extLst>
           </p:cNvPr>
@@ -2116,7 +2116,7 @@
           <a:bodyPr/>
           <a:lstStyle/>
           <a:p>
-            <a:fld id="{CBD38D57-ED22-491B-A0FB-8F9B5109B5B5}" type="slidenum">
+            <a:fld id="{21DA7EA1-4BB9-448F-B846-1D438F0D36C8}" type="slidenum">
               <a:rPr lang="zh-CN" altLang="en-US" smtClean="0"/>
               <a:t>‹#›</a:t>
             </a:fld>
@@ -2127,7 +2127,7 @@
     </p:spTree>
     <p:extLst>
       <p:ext uri="{BB962C8B-B14F-4D97-AF65-F5344CB8AC3E}">
-        <p14:creationId xmlns:p14="http://schemas.microsoft.com/office/powerpoint/2010/main" val="1922104619"/>
+        <p14:creationId xmlns:p14="http://schemas.microsoft.com/office/powerpoint/2010/main" val="4057136313"/>
       </p:ext>
     </p:extLst>
   </p:cSld>
@@ -2159,7 +2159,7 @@
           <p:cNvPr id="2" name="标题 1">
             <a:extLst>
               <a:ext uri="{FF2B5EF4-FFF2-40B4-BE49-F238E27FC236}">
-                <a16:creationId xmlns:a16="http://schemas.microsoft.com/office/drawing/2014/main" id="{9C2F54F1-BC60-70EB-1CEC-C2388D47D347}"/>
+                <a16:creationId xmlns:a16="http://schemas.microsoft.com/office/drawing/2014/main" id="{107FB4C1-029C-6891-540D-4B4ABF17F6E0}"/>
               </a:ext>
             </a:extLst>
           </p:cNvPr>
@@ -2196,7 +2196,7 @@
           <p:cNvPr id="3" name="内容占位符 2">
             <a:extLst>
               <a:ext uri="{FF2B5EF4-FFF2-40B4-BE49-F238E27FC236}">
-                <a16:creationId xmlns:a16="http://schemas.microsoft.com/office/drawing/2014/main" id="{F8AE24FB-CA92-5FC0-65F9-FCC5EA7784BD}"/>
+                <a16:creationId xmlns:a16="http://schemas.microsoft.com/office/drawing/2014/main" id="{2DB7E55F-054C-4F24-278C-1C013F1CE0B4}"/>
               </a:ext>
             </a:extLst>
           </p:cNvPr>
@@ -2286,7 +2286,7 @@
           <p:cNvPr id="4" name="文本占位符 3">
             <a:extLst>
               <a:ext uri="{FF2B5EF4-FFF2-40B4-BE49-F238E27FC236}">
-                <a16:creationId xmlns:a16="http://schemas.microsoft.com/office/drawing/2014/main" id="{0FC5942D-3D8D-33DA-DAC8-C90E4B37AB41}"/>
+                <a16:creationId xmlns:a16="http://schemas.microsoft.com/office/drawing/2014/main" id="{245D0FAF-9B95-3AE7-205F-AA243DBE07AB}"/>
               </a:ext>
             </a:extLst>
           </p:cNvPr>
@@ -2357,7 +2357,7 @@
           <p:cNvPr id="5" name="日期占位符 4">
             <a:extLst>
               <a:ext uri="{FF2B5EF4-FFF2-40B4-BE49-F238E27FC236}">
-                <a16:creationId xmlns:a16="http://schemas.microsoft.com/office/drawing/2014/main" id="{83CFB4BF-4833-0454-4974-68F186764C8C}"/>
+                <a16:creationId xmlns:a16="http://schemas.microsoft.com/office/drawing/2014/main" id="{773212E2-C205-FA4D-DC1F-4C9404FA2713}"/>
               </a:ext>
             </a:extLst>
           </p:cNvPr>
@@ -2373,7 +2373,7 @@
           <a:bodyPr/>
           <a:lstStyle/>
           <a:p>
-            <a:fld id="{032BF608-020B-40DD-AF6E-A7C2000C7F05}" type="datetimeFigureOut">
+            <a:fld id="{39214C5D-12A0-4D49-A410-0F3677D14612}" type="datetimeFigureOut">
               <a:rPr lang="zh-CN" altLang="en-US" smtClean="0"/>
               <a:t>2024/3/10</a:t>
             </a:fld>
@@ -2386,7 +2386,7 @@
           <p:cNvPr id="6" name="页脚占位符 5">
             <a:extLst>
               <a:ext uri="{FF2B5EF4-FFF2-40B4-BE49-F238E27FC236}">
-                <a16:creationId xmlns:a16="http://schemas.microsoft.com/office/drawing/2014/main" id="{B1D064A2-4029-C3C8-2DC6-E1E184307804}"/>
+                <a16:creationId xmlns:a16="http://schemas.microsoft.com/office/drawing/2014/main" id="{6A42992B-8354-089D-E267-275951F482CE}"/>
               </a:ext>
             </a:extLst>
           </p:cNvPr>
@@ -2411,7 +2411,7 @@
           <p:cNvPr id="7" name="灯片编号占位符 6">
             <a:extLst>
               <a:ext uri="{FF2B5EF4-FFF2-40B4-BE49-F238E27FC236}">
-                <a16:creationId xmlns:a16="http://schemas.microsoft.com/office/drawing/2014/main" id="{7D5569E7-28E6-C2AD-C6EC-D530F343161A}"/>
+                <a16:creationId xmlns:a16="http://schemas.microsoft.com/office/drawing/2014/main" id="{6D068085-9688-729B-4F91-44B5DC06136C}"/>
               </a:ext>
             </a:extLst>
           </p:cNvPr>
@@ -2427,7 +2427,7 @@
           <a:bodyPr/>
           <a:lstStyle/>
           <a:p>
-            <a:fld id="{CBD38D57-ED22-491B-A0FB-8F9B5109B5B5}" type="slidenum">
+            <a:fld id="{21DA7EA1-4BB9-448F-B846-1D438F0D36C8}" type="slidenum">
               <a:rPr lang="zh-CN" altLang="en-US" smtClean="0"/>
               <a:t>‹#›</a:t>
             </a:fld>
@@ -2438,7 +2438,7 @@
     </p:spTree>
     <p:extLst>
       <p:ext uri="{BB962C8B-B14F-4D97-AF65-F5344CB8AC3E}">
-        <p14:creationId xmlns:p14="http://schemas.microsoft.com/office/powerpoint/2010/main" val="905205595"/>
+        <p14:creationId xmlns:p14="http://schemas.microsoft.com/office/powerpoint/2010/main" val="1923125023"/>
       </p:ext>
     </p:extLst>
   </p:cSld>
@@ -2470,7 +2470,7 @@
           <p:cNvPr id="2" name="标题 1">
             <a:extLst>
               <a:ext uri="{FF2B5EF4-FFF2-40B4-BE49-F238E27FC236}">
-                <a16:creationId xmlns:a16="http://schemas.microsoft.com/office/drawing/2014/main" id="{FD834B28-753F-C71A-2AF9-4323B32A9CFB}"/>
+                <a16:creationId xmlns:a16="http://schemas.microsoft.com/office/drawing/2014/main" id="{4FF91859-AD6C-E63E-8788-EFB543D37BC4}"/>
               </a:ext>
             </a:extLst>
           </p:cNvPr>
@@ -2507,7 +2507,7 @@
           <p:cNvPr id="3" name="图片占位符 2">
             <a:extLst>
               <a:ext uri="{FF2B5EF4-FFF2-40B4-BE49-F238E27FC236}">
-                <a16:creationId xmlns:a16="http://schemas.microsoft.com/office/drawing/2014/main" id="{FF1A230F-A567-FA39-51A3-5F7B0F5BCFBD}"/>
+                <a16:creationId xmlns:a16="http://schemas.microsoft.com/office/drawing/2014/main" id="{0CFC89C7-A8AD-3641-B4DA-A18BA409AC93}"/>
               </a:ext>
             </a:extLst>
           </p:cNvPr>
@@ -2574,7 +2574,7 @@
           <p:cNvPr id="4" name="文本占位符 3">
             <a:extLst>
               <a:ext uri="{FF2B5EF4-FFF2-40B4-BE49-F238E27FC236}">
-                <a16:creationId xmlns:a16="http://schemas.microsoft.com/office/drawing/2014/main" id="{0BBDFB07-94F3-0887-2A03-CA3B462161F7}"/>
+                <a16:creationId xmlns:a16="http://schemas.microsoft.com/office/drawing/2014/main" id="{676A38A8-5644-FAAF-7B13-BE3DEF439AFC}"/>
               </a:ext>
             </a:extLst>
           </p:cNvPr>
@@ -2645,7 +2645,7 @@
           <p:cNvPr id="5" name="日期占位符 4">
             <a:extLst>
               <a:ext uri="{FF2B5EF4-FFF2-40B4-BE49-F238E27FC236}">
-                <a16:creationId xmlns:a16="http://schemas.microsoft.com/office/drawing/2014/main" id="{B41F060E-F4E1-C627-1677-63C87EE69854}"/>
+                <a16:creationId xmlns:a16="http://schemas.microsoft.com/office/drawing/2014/main" id="{DA6EC831-A95A-B36D-62D1-B43EF207A8DB}"/>
               </a:ext>
             </a:extLst>
           </p:cNvPr>
@@ -2661,7 +2661,7 @@
           <a:bodyPr/>
           <a:lstStyle/>
           <a:p>
-            <a:fld id="{032BF608-020B-40DD-AF6E-A7C2000C7F05}" type="datetimeFigureOut">
+            <a:fld id="{39214C5D-12A0-4D49-A410-0F3677D14612}" type="datetimeFigureOut">
               <a:rPr lang="zh-CN" altLang="en-US" smtClean="0"/>
               <a:t>2024/3/10</a:t>
             </a:fld>
@@ -2674,7 +2674,7 @@
           <p:cNvPr id="6" name="页脚占位符 5">
             <a:extLst>
               <a:ext uri="{FF2B5EF4-FFF2-40B4-BE49-F238E27FC236}">
-                <a16:creationId xmlns:a16="http://schemas.microsoft.com/office/drawing/2014/main" id="{EB94FA11-0828-9EB8-7DF3-F12824428A97}"/>
+                <a16:creationId xmlns:a16="http://schemas.microsoft.com/office/drawing/2014/main" id="{CF90CD0A-BC36-DD56-0373-B48E047FEB36}"/>
               </a:ext>
             </a:extLst>
           </p:cNvPr>
@@ -2699,7 +2699,7 @@
           <p:cNvPr id="7" name="灯片编号占位符 6">
             <a:extLst>
               <a:ext uri="{FF2B5EF4-FFF2-40B4-BE49-F238E27FC236}">
-                <a16:creationId xmlns:a16="http://schemas.microsoft.com/office/drawing/2014/main" id="{4B94CE82-98F5-2146-FF83-5348E5267AD1}"/>
+                <a16:creationId xmlns:a16="http://schemas.microsoft.com/office/drawing/2014/main" id="{25F7D7A9-EF42-3C60-C496-2DF134305832}"/>
               </a:ext>
             </a:extLst>
           </p:cNvPr>
@@ -2715,7 +2715,7 @@
           <a:bodyPr/>
           <a:lstStyle/>
           <a:p>
-            <a:fld id="{CBD38D57-ED22-491B-A0FB-8F9B5109B5B5}" type="slidenum">
+            <a:fld id="{21DA7EA1-4BB9-448F-B846-1D438F0D36C8}" type="slidenum">
               <a:rPr lang="zh-CN" altLang="en-US" smtClean="0"/>
               <a:t>‹#›</a:t>
             </a:fld>
@@ -2726,7 +2726,7 @@
     </p:spTree>
     <p:extLst>
       <p:ext uri="{BB962C8B-B14F-4D97-AF65-F5344CB8AC3E}">
-        <p14:creationId xmlns:p14="http://schemas.microsoft.com/office/powerpoint/2010/main" val="1286509619"/>
+        <p14:creationId xmlns:p14="http://schemas.microsoft.com/office/powerpoint/2010/main" val="3856525877"/>
       </p:ext>
     </p:extLst>
   </p:cSld>
@@ -2763,7 +2763,7 @@
           <p:cNvPr id="2" name="标题占位符 1">
             <a:extLst>
               <a:ext uri="{FF2B5EF4-FFF2-40B4-BE49-F238E27FC236}">
-                <a16:creationId xmlns:a16="http://schemas.microsoft.com/office/drawing/2014/main" id="{2C0B630B-F3F1-6033-3740-4EC990121E0E}"/>
+                <a16:creationId xmlns:a16="http://schemas.microsoft.com/office/drawing/2014/main" id="{54EE143E-674E-172B-1796-B4717DF999F7}"/>
               </a:ext>
             </a:extLst>
           </p:cNvPr>
@@ -2801,7 +2801,7 @@
           <p:cNvPr id="3" name="文本占位符 2">
             <a:extLst>
               <a:ext uri="{FF2B5EF4-FFF2-40B4-BE49-F238E27FC236}">
-                <a16:creationId xmlns:a16="http://schemas.microsoft.com/office/drawing/2014/main" id="{5C40F9AC-2512-033B-2A89-24FBD1AD5CD6}"/>
+                <a16:creationId xmlns:a16="http://schemas.microsoft.com/office/drawing/2014/main" id="{CF7BEABB-A916-92BB-B930-DA15C98BEA43}"/>
               </a:ext>
             </a:extLst>
           </p:cNvPr>
@@ -2868,7 +2868,7 @@
           <p:cNvPr id="4" name="日期占位符 3">
             <a:extLst>
               <a:ext uri="{FF2B5EF4-FFF2-40B4-BE49-F238E27FC236}">
-                <a16:creationId xmlns:a16="http://schemas.microsoft.com/office/drawing/2014/main" id="{3BD230F0-CBE3-D3FE-C4A5-1574D82CBABC}"/>
+                <a16:creationId xmlns:a16="http://schemas.microsoft.com/office/drawing/2014/main" id="{272B1456-31C0-1AD7-4E3B-A5D0E06A966D}"/>
               </a:ext>
             </a:extLst>
           </p:cNvPr>
@@ -2902,7 +2902,7 @@
             </a:lvl1pPr>
           </a:lstStyle>
           <a:p>
-            <a:fld id="{032BF608-020B-40DD-AF6E-A7C2000C7F05}" type="datetimeFigureOut">
+            <a:fld id="{39214C5D-12A0-4D49-A410-0F3677D14612}" type="datetimeFigureOut">
               <a:rPr lang="zh-CN" altLang="en-US" smtClean="0"/>
               <a:t>2024/3/10</a:t>
             </a:fld>
@@ -2915,7 +2915,7 @@
           <p:cNvPr id="5" name="页脚占位符 4">
             <a:extLst>
               <a:ext uri="{FF2B5EF4-FFF2-40B4-BE49-F238E27FC236}">
-                <a16:creationId xmlns:a16="http://schemas.microsoft.com/office/drawing/2014/main" id="{B6E6BE41-991C-81FC-C12E-F856448401C4}"/>
+                <a16:creationId xmlns:a16="http://schemas.microsoft.com/office/drawing/2014/main" id="{22B2105D-D5D9-D60C-ECEF-90BDE3851CDB}"/>
               </a:ext>
             </a:extLst>
           </p:cNvPr>
@@ -2958,7 +2958,7 @@
           <p:cNvPr id="6" name="灯片编号占位符 5">
             <a:extLst>
               <a:ext uri="{FF2B5EF4-FFF2-40B4-BE49-F238E27FC236}">
-                <a16:creationId xmlns:a16="http://schemas.microsoft.com/office/drawing/2014/main" id="{88335276-3B86-CDC3-8D96-1C0E1B0D9426}"/>
+                <a16:creationId xmlns:a16="http://schemas.microsoft.com/office/drawing/2014/main" id="{748113EB-715E-39B2-8A6A-0F555751BA6B}"/>
               </a:ext>
             </a:extLst>
           </p:cNvPr>
@@ -2992,7 +2992,7 @@
             </a:lvl1pPr>
           </a:lstStyle>
           <a:p>
-            <a:fld id="{CBD38D57-ED22-491B-A0FB-8F9B5109B5B5}" type="slidenum">
+            <a:fld id="{21DA7EA1-4BB9-448F-B846-1D438F0D36C8}" type="slidenum">
               <a:rPr lang="zh-CN" altLang="en-US" smtClean="0"/>
               <a:t>‹#›</a:t>
             </a:fld>
@@ -3003,7 +3003,7 @@
     </p:spTree>
     <p:extLst>
       <p:ext uri="{BB962C8B-B14F-4D97-AF65-F5344CB8AC3E}">
-        <p14:creationId xmlns:p14="http://schemas.microsoft.com/office/powerpoint/2010/main" val="1066202036"/>
+        <p14:creationId xmlns:p14="http://schemas.microsoft.com/office/powerpoint/2010/main" val="3655607592"/>
       </p:ext>
     </p:extLst>
   </p:cSld>
